--- a/16 - DFD_Essencial_Para_Cada_Necessidade.pptx
+++ b/16 - DFD_Essencial_Para_Cada_Necessidade.pptx
@@ -116,6 +116,66 @@
 </p:presentation>
 </file>
 
+<file path=ppt/changesInfos/changesInfo1.xml><?xml version="1.0" encoding="utf-8"?>
+<pc:chgInfo xmlns:a="http://schemas.openxmlformats.org/drawingml/2006/main" xmlns:r="http://schemas.openxmlformats.org/officeDocument/2006/relationships" xmlns:ac="http://schemas.microsoft.com/office/drawing/2013/main/command" xmlns:pc="http://schemas.microsoft.com/office/powerpoint/2013/main/command">
+  <pc:docChgLst>
+    <pc:chgData name="Pedro Botter Bondezan" userId="9a65a1c4a761de2f" providerId="LiveId" clId="{831A0EC0-D716-4D9D-B9B7-2585FF4D3C76}"/>
+    <pc:docChg chg="custSel modSld">
+      <pc:chgData name="Pedro Botter Bondezan" userId="9a65a1c4a761de2f" providerId="LiveId" clId="{831A0EC0-D716-4D9D-B9B7-2585FF4D3C76}" dt="2020-10-25T21:47:12.138" v="21" actId="14100"/>
+      <pc:docMkLst>
+        <pc:docMk/>
+      </pc:docMkLst>
+      <pc:sldChg chg="addSp delSp modSp mod">
+        <pc:chgData name="Pedro Botter Bondezan" userId="9a65a1c4a761de2f" providerId="LiveId" clId="{831A0EC0-D716-4D9D-B9B7-2585FF4D3C76}" dt="2020-10-25T21:45:40.193" v="11" actId="1076"/>
+        <pc:sldMkLst>
+          <pc:docMk/>
+          <pc:sldMk cId="3556521982" sldId="256"/>
+        </pc:sldMkLst>
+        <pc:picChg chg="add mod">
+          <ac:chgData name="Pedro Botter Bondezan" userId="9a65a1c4a761de2f" providerId="LiveId" clId="{831A0EC0-D716-4D9D-B9B7-2585FF4D3C76}" dt="2020-10-25T21:45:40.193" v="11" actId="1076"/>
+          <ac:picMkLst>
+            <pc:docMk/>
+            <pc:sldMk cId="3556521982" sldId="256"/>
+            <ac:picMk id="3" creationId="{E468DEA2-B2E1-47ED-9C23-A24E13048D82}"/>
+          </ac:picMkLst>
+        </pc:picChg>
+        <pc:picChg chg="add del">
+          <ac:chgData name="Pedro Botter Bondezan" userId="9a65a1c4a761de2f" providerId="LiveId" clId="{831A0EC0-D716-4D9D-B9B7-2585FF4D3C76}" dt="2020-10-25T21:45:12.800" v="2" actId="478"/>
+          <ac:picMkLst>
+            <pc:docMk/>
+            <pc:sldMk cId="3556521982" sldId="256"/>
+            <ac:picMk id="1030" creationId="{10BAB0E9-3E2A-4067-9F29-4C745A4BBB9B}"/>
+          </ac:picMkLst>
+        </pc:picChg>
+      </pc:sldChg>
+      <pc:sldChg chg="addSp delSp modSp mod">
+        <pc:chgData name="Pedro Botter Bondezan" userId="9a65a1c4a761de2f" providerId="LiveId" clId="{831A0EC0-D716-4D9D-B9B7-2585FF4D3C76}" dt="2020-10-25T21:47:12.138" v="21" actId="14100"/>
+        <pc:sldMkLst>
+          <pc:docMk/>
+          <pc:sldMk cId="4021397848" sldId="257"/>
+        </pc:sldMkLst>
+        <pc:picChg chg="add mod">
+          <ac:chgData name="Pedro Botter Bondezan" userId="9a65a1c4a761de2f" providerId="LiveId" clId="{831A0EC0-D716-4D9D-B9B7-2585FF4D3C76}" dt="2020-10-25T21:47:12.138" v="21" actId="14100"/>
+          <ac:picMkLst>
+            <pc:docMk/>
+            <pc:sldMk cId="4021397848" sldId="257"/>
+            <ac:picMk id="5" creationId="{EBDD2F85-FD1A-4FEE-B5C0-FD97B51DE739}"/>
+          </ac:picMkLst>
+        </pc:picChg>
+        <pc:picChg chg="del">
+          <ac:chgData name="Pedro Botter Bondezan" userId="9a65a1c4a761de2f" providerId="LiveId" clId="{831A0EC0-D716-4D9D-B9B7-2585FF4D3C76}" dt="2020-10-25T21:46:38.999" v="12" actId="478"/>
+          <ac:picMkLst>
+            <pc:docMk/>
+            <pc:sldMk cId="4021397848" sldId="257"/>
+            <ac:picMk id="8" creationId="{924EA225-AE63-4348-9089-CB13E3676959}"/>
+          </ac:picMkLst>
+        </pc:picChg>
+      </pc:sldChg>
+    </pc:docChg>
+  </pc:docChgLst>
+</pc:chgInfo>
+</file>
+
 <file path=ppt/slideLayouts/slideLayout1.xml><?xml version="1.0" encoding="utf-8"?>
 <p:sldLayout xmlns:a="http://schemas.openxmlformats.org/drawingml/2006/main" xmlns:r="http://schemas.openxmlformats.org/officeDocument/2006/relationships" xmlns:p="http://schemas.openxmlformats.org/presentationml/2006/main" type="title" preserve="1">
   <p:cSld name="Slide de Título">
@@ -263,7 +323,7 @@
           <a:p>
             <a:fld id="{8392C4FE-93D5-42CA-9E20-DAAA96C9B4D8}" type="datetimeFigureOut">
               <a:rPr lang="pt-BR" smtClean="0"/>
-              <a:t>27/09/2020</a:t>
+              <a:t>25/10/2020</a:t>
             </a:fld>
             <a:endParaRPr lang="pt-BR"/>
           </a:p>
@@ -461,7 +521,7 @@
           <a:p>
             <a:fld id="{8392C4FE-93D5-42CA-9E20-DAAA96C9B4D8}" type="datetimeFigureOut">
               <a:rPr lang="pt-BR" smtClean="0"/>
-              <a:t>27/09/2020</a:t>
+              <a:t>25/10/2020</a:t>
             </a:fld>
             <a:endParaRPr lang="pt-BR"/>
           </a:p>
@@ -669,7 +729,7 @@
           <a:p>
             <a:fld id="{8392C4FE-93D5-42CA-9E20-DAAA96C9B4D8}" type="datetimeFigureOut">
               <a:rPr lang="pt-BR" smtClean="0"/>
-              <a:t>27/09/2020</a:t>
+              <a:t>25/10/2020</a:t>
             </a:fld>
             <a:endParaRPr lang="pt-BR"/>
           </a:p>
@@ -867,7 +927,7 @@
           <a:p>
             <a:fld id="{8392C4FE-93D5-42CA-9E20-DAAA96C9B4D8}" type="datetimeFigureOut">
               <a:rPr lang="pt-BR" smtClean="0"/>
-              <a:t>27/09/2020</a:t>
+              <a:t>25/10/2020</a:t>
             </a:fld>
             <a:endParaRPr lang="pt-BR"/>
           </a:p>
@@ -1142,7 +1202,7 @@
           <a:p>
             <a:fld id="{8392C4FE-93D5-42CA-9E20-DAAA96C9B4D8}" type="datetimeFigureOut">
               <a:rPr lang="pt-BR" smtClean="0"/>
-              <a:t>27/09/2020</a:t>
+              <a:t>25/10/2020</a:t>
             </a:fld>
             <a:endParaRPr lang="pt-BR"/>
           </a:p>
@@ -1407,7 +1467,7 @@
           <a:p>
             <a:fld id="{8392C4FE-93D5-42CA-9E20-DAAA96C9B4D8}" type="datetimeFigureOut">
               <a:rPr lang="pt-BR" smtClean="0"/>
-              <a:t>27/09/2020</a:t>
+              <a:t>25/10/2020</a:t>
             </a:fld>
             <a:endParaRPr lang="pt-BR"/>
           </a:p>
@@ -1819,7 +1879,7 @@
           <a:p>
             <a:fld id="{8392C4FE-93D5-42CA-9E20-DAAA96C9B4D8}" type="datetimeFigureOut">
               <a:rPr lang="pt-BR" smtClean="0"/>
-              <a:t>27/09/2020</a:t>
+              <a:t>25/10/2020</a:t>
             </a:fld>
             <a:endParaRPr lang="pt-BR"/>
           </a:p>
@@ -1960,7 +2020,7 @@
           <a:p>
             <a:fld id="{8392C4FE-93D5-42CA-9E20-DAAA96C9B4D8}" type="datetimeFigureOut">
               <a:rPr lang="pt-BR" smtClean="0"/>
-              <a:t>27/09/2020</a:t>
+              <a:t>25/10/2020</a:t>
             </a:fld>
             <a:endParaRPr lang="pt-BR"/>
           </a:p>
@@ -2073,7 +2133,7 @@
           <a:p>
             <a:fld id="{8392C4FE-93D5-42CA-9E20-DAAA96C9B4D8}" type="datetimeFigureOut">
               <a:rPr lang="pt-BR" smtClean="0"/>
-              <a:t>27/09/2020</a:t>
+              <a:t>25/10/2020</a:t>
             </a:fld>
             <a:endParaRPr lang="pt-BR"/>
           </a:p>
@@ -2384,7 +2444,7 @@
           <a:p>
             <a:fld id="{8392C4FE-93D5-42CA-9E20-DAAA96C9B4D8}" type="datetimeFigureOut">
               <a:rPr lang="pt-BR" smtClean="0"/>
-              <a:t>27/09/2020</a:t>
+              <a:t>25/10/2020</a:t>
             </a:fld>
             <a:endParaRPr lang="pt-BR"/>
           </a:p>
@@ -2672,7 +2732,7 @@
           <a:p>
             <a:fld id="{8392C4FE-93D5-42CA-9E20-DAAA96C9B4D8}" type="datetimeFigureOut">
               <a:rPr lang="pt-BR" smtClean="0"/>
-              <a:t>27/09/2020</a:t>
+              <a:t>25/10/2020</a:t>
             </a:fld>
             <a:endParaRPr lang="pt-BR"/>
           </a:p>
@@ -2913,7 +2973,7 @@
           <a:p>
             <a:fld id="{8392C4FE-93D5-42CA-9E20-DAAA96C9B4D8}" type="datetimeFigureOut">
               <a:rPr lang="pt-BR" smtClean="0"/>
-              <a:t>27/09/2020</a:t>
+              <a:t>25/10/2020</a:t>
             </a:fld>
             <a:endParaRPr lang="pt-BR"/>
           </a:p>
@@ -3368,49 +3428,32 @@
       </p:sp>
       <p:pic>
         <p:nvPicPr>
-          <p:cNvPr id="1030" name="Picture 6">
-            <a:extLst>
-              <a:ext uri="{FF2B5EF4-FFF2-40B4-BE49-F238E27FC236}">
-                <a16:creationId xmlns:a16="http://schemas.microsoft.com/office/drawing/2014/main" id="{10BAB0E9-3E2A-4067-9F29-4C745A4BBB9B}"/>
+          <p:cNvPr id="3" name="Imagem 2">
+            <a:extLst>
+              <a:ext uri="{FF2B5EF4-FFF2-40B4-BE49-F238E27FC236}">
+                <a16:creationId xmlns:a16="http://schemas.microsoft.com/office/drawing/2014/main" id="{E468DEA2-B2E1-47ED-9C23-A24E13048D82}"/>
               </a:ext>
             </a:extLst>
           </p:cNvPr>
           <p:cNvPicPr>
-            <a:picLocks noChangeAspect="1" noChangeArrowheads="1"/>
+            <a:picLocks noChangeAspect="1"/>
           </p:cNvPicPr>
           <p:nvPr/>
         </p:nvPicPr>
         <p:blipFill>
-          <a:blip r:embed="rId2">
-            <a:extLst>
-              <a:ext uri="{28A0092B-C50C-407E-A947-70E740481C1C}">
-                <a14:useLocalDpi xmlns:a14="http://schemas.microsoft.com/office/drawing/2010/main" val="0"/>
-              </a:ext>
-            </a:extLst>
-          </a:blip>
-          <a:srcRect/>
+          <a:blip r:embed="rId2"/>
           <a:stretch>
             <a:fillRect/>
           </a:stretch>
         </p:blipFill>
-        <p:spPr bwMode="auto">
+        <p:spPr>
           <a:xfrm>
-            <a:off x="2080590" y="598954"/>
-            <a:ext cx="8030817" cy="6259046"/>
+            <a:off x="1921032" y="755374"/>
+            <a:ext cx="8349936" cy="5711687"/>
           </a:xfrm>
           <a:prstGeom prst="rect">
             <a:avLst/>
           </a:prstGeom>
-          <a:noFill/>
-          <a:extLst>
-            <a:ext uri="{909E8E84-426E-40DD-AFC4-6F175D3DCCD1}">
-              <a14:hiddenFill xmlns:a14="http://schemas.microsoft.com/office/drawing/2010/main">
-                <a:solidFill>
-                  <a:srgbClr val="FFFFFF"/>
-                </a:solidFill>
-              </a14:hiddenFill>
-            </a:ext>
-          </a:extLst>
         </p:spPr>
       </p:pic>
     </p:spTree>
@@ -3526,10 +3569,10 @@
       </p:sp>
       <p:pic>
         <p:nvPicPr>
-          <p:cNvPr id="8" name="Imagem 7" descr="Diagrama&#10;&#10;Descrição gerada automaticamente">
-            <a:extLst>
-              <a:ext uri="{FF2B5EF4-FFF2-40B4-BE49-F238E27FC236}">
-                <a16:creationId xmlns:a16="http://schemas.microsoft.com/office/drawing/2014/main" id="{924EA225-AE63-4348-9089-CB13E3676959}"/>
+          <p:cNvPr id="5" name="Imagem 4">
+            <a:extLst>
+              <a:ext uri="{FF2B5EF4-FFF2-40B4-BE49-F238E27FC236}">
+                <a16:creationId xmlns:a16="http://schemas.microsoft.com/office/drawing/2014/main" id="{EBDD2F85-FD1A-4FEE-B5C0-FD97B51DE739}"/>
               </a:ext>
             </a:extLst>
           </p:cNvPr>
@@ -3539,21 +3582,15 @@
           <p:nvPr/>
         </p:nvPicPr>
         <p:blipFill>
-          <a:blip r:embed="rId2">
-            <a:extLst>
-              <a:ext uri="{28A0092B-C50C-407E-A947-70E740481C1C}">
-                <a14:useLocalDpi xmlns:a14="http://schemas.microsoft.com/office/drawing/2010/main" val="0"/>
-              </a:ext>
-            </a:extLst>
-          </a:blip>
+          <a:blip r:embed="rId2"/>
           <a:stretch>
             <a:fillRect/>
           </a:stretch>
         </p:blipFill>
         <p:spPr>
           <a:xfrm>
-            <a:off x="219918" y="1283516"/>
-            <a:ext cx="11752164" cy="4857225"/>
+            <a:off x="251791" y="417261"/>
+            <a:ext cx="11839829" cy="6248581"/>
           </a:xfrm>
           <a:prstGeom prst="rect">
             <a:avLst/>
